--- a/YaghoubZadeh 1402-2/Project/report/4. presentation.pptx
+++ b/YaghoubZadeh 1402-2/Project/report/4. presentation.pptx
@@ -2836,10 +2836,11 @@
               <a:buChar char="•"/>
             </a:pPr>
             <a:r>
-              <a:rPr lang="en-US" dirty="0">
-                <a:latin typeface="Big Shoulders Display"/>
+              <a:rPr lang="en-US" b="0" i="0" dirty="0">
+                <a:effectLst/>
+                <a:latin typeface="Inter"/>
               </a:rPr>
-              <a:t>Input size limit</a:t>
+              <a:t>limitations on input size</a:t>
             </a:r>
           </a:p>
           <a:p>
